--- a/FP SIG.pptx
+++ b/FP SIG.pptx
@@ -4809,7 +4809,7 @@
         </p:nvSpPr>
         <p:spPr>
           <a:xfrm>
-            <a:off x="2785200" y="278601"/>
+            <a:off x="1025550" y="146398"/>
             <a:ext cx="7092900" cy="1572300"/>
           </a:xfrm>
           <a:prstGeom prst="rect">
@@ -4822,7 +4822,7 @@
           </a:bodyPr>
           <a:lstStyle/>
           <a:p>
-            <a:pPr marL="0" lvl="0" indent="0" algn="l" rtl="0">
+            <a:pPr marL="0" lvl="0" indent="0" algn="ctr" rtl="0">
               <a:spcBef>
                 <a:spcPts val="0"/>
               </a:spcBef>
@@ -4851,7 +4851,7 @@
         </p:nvSpPr>
         <p:spPr>
           <a:xfrm>
-            <a:off x="3984000" y="2932250"/>
+            <a:off x="692175" y="2825750"/>
             <a:ext cx="4695300" cy="1572300"/>
           </a:xfrm>
           <a:prstGeom prst="rect">
@@ -4864,68 +4864,51 @@
           </a:bodyPr>
           <a:lstStyle/>
           <a:p>
-            <a:pPr marL="0" lvl="0" indent="0" algn="r" rtl="0">
+            <a:pPr lvl="0">
               <a:spcBef>
                 <a:spcPts val="0"/>
               </a:spcBef>
-              <a:spcAft>
-                <a:spcPts val="0"/>
-              </a:spcAft>
-              <a:buNone/>
             </a:pPr>
             <a:r>
-              <a:rPr lang="en"/>
-              <a:t>Narendra Haryo Bismo - 5115100009</a:t>
-            </a:r>
-            <a:endParaRPr/>
-          </a:p>
-          <a:p>
-            <a:pPr marL="0" lvl="0" indent="0" algn="r" rtl="0">
+              <a:rPr lang="en" dirty="0"/>
+              <a:t>Narendra Haryo Bismo	05111540000009</a:t>
+            </a:r>
+            <a:endParaRPr dirty="0"/>
+          </a:p>
+          <a:p>
+            <a:pPr lvl="0">
               <a:spcBef>
                 <a:spcPts val="0"/>
               </a:spcBef>
-              <a:spcAft>
-                <a:spcPts val="0"/>
-              </a:spcAft>
-              <a:buNone/>
             </a:pPr>
             <a:r>
-              <a:rPr lang="en"/>
-              <a:t>Naufal Pranasetyo - 5115100057</a:t>
-            </a:r>
-            <a:endParaRPr/>
-          </a:p>
-          <a:p>
-            <a:pPr marL="0" lvl="0" indent="0" algn="r" rtl="0">
+              <a:rPr lang="en" dirty="0"/>
+              <a:t>Naufal Pranasetyo		05111540000057</a:t>
+            </a:r>
+            <a:endParaRPr dirty="0"/>
+          </a:p>
+          <a:p>
+            <a:pPr lvl="0">
               <a:spcBef>
                 <a:spcPts val="0"/>
               </a:spcBef>
-              <a:spcAft>
-                <a:spcPts val="0"/>
-              </a:spcAft>
-              <a:buNone/>
             </a:pPr>
             <a:r>
-              <a:rPr lang="en"/>
-              <a:t>Zahri Rusli - 5115100108</a:t>
-            </a:r>
-            <a:endParaRPr/>
-          </a:p>
-          <a:p>
-            <a:pPr marL="0" lvl="0" indent="0" algn="r" rtl="0">
+              <a:rPr lang="en" dirty="0"/>
+              <a:t>Zahri Rusli			05111540000108</a:t>
+            </a:r>
+          </a:p>
+          <a:p>
+            <a:pPr lvl="0">
               <a:spcBef>
                 <a:spcPts val="0"/>
               </a:spcBef>
-              <a:spcAft>
-                <a:spcPts val="0"/>
-              </a:spcAft>
-              <a:buNone/>
             </a:pPr>
             <a:r>
-              <a:rPr lang="en"/>
-              <a:t>Yuga Mitra Hakiki - 5115100706</a:t>
-            </a:r>
-            <a:endParaRPr/>
+              <a:rPr lang="en" dirty="0"/>
+              <a:t>Yuga Mitra Hakiki		05111540000706</a:t>
+            </a:r>
+            <a:endParaRPr dirty="0"/>
           </a:p>
         </p:txBody>
       </p:sp>
@@ -4941,7 +4924,7 @@
         </p:nvSpPr>
         <p:spPr>
           <a:xfrm>
-            <a:off x="0" y="1254125"/>
+            <a:off x="333375" y="1254125"/>
             <a:ext cx="8477250" cy="1571625"/>
           </a:xfrm>
           <a:prstGeom prst="rect">
@@ -4954,7 +4937,7 @@
           </a:bodyPr>
           <a:lstStyle/>
           <a:p>
-            <a:pPr marL="0" lvl="0" indent="0" algn="l" rtl="0">
+            <a:pPr marL="0" lvl="0" indent="0" algn="ctr" rtl="0">
               <a:spcBef>
                 <a:spcPts val="0"/>
               </a:spcBef>
@@ -5448,8 +5431,16 @@
               </a:spcBef>
             </a:pPr>
             <a:r>
-              <a:rPr lang="en-US" sz="3600"/>
-              <a:t>Hasil Fitur 2</a:t>
+              <a:rPr lang="en-US" sz="3600" dirty="0"/>
+              <a:t>Hasil </a:t>
+            </a:r>
+            <a:r>
+              <a:rPr lang="en-US" sz="3600" dirty="0" err="1"/>
+              <a:t>Fitur</a:t>
+            </a:r>
+            <a:r>
+              <a:rPr lang="en-US" sz="3600" dirty="0"/>
+              <a:t> 2</a:t>
             </a:r>
           </a:p>
         </p:txBody>
@@ -5974,8 +5965,8 @@
         </p:nvSpPr>
         <p:spPr>
           <a:xfrm>
-            <a:off x="633357" y="1200149"/>
-            <a:ext cx="2654449" cy="3223260"/>
+            <a:off x="116224" y="1196983"/>
+            <a:ext cx="3369565" cy="3223260"/>
           </a:xfrm>
         </p:spPr>
         <p:txBody>
@@ -5990,7 +5981,7 @@
               </a:spcBef>
             </a:pPr>
             <a:r>
-              <a:rPr lang="en-US" sz="2700" b="0" i="0" kern="1200" cap="all" dirty="0">
+              <a:rPr lang="en-US" sz="2200" b="0" i="0" kern="1200" cap="all" dirty="0">
                 <a:solidFill>
                   <a:schemeClr val="tx1"/>
                 </a:solidFill>
@@ -6013,7 +6004,7 @@
               </a:rPr>
             </a:br>
             <a:r>
-              <a:rPr lang="en-US" sz="2700" b="0" i="0" kern="1200" cap="all" dirty="0">
+              <a:rPr lang="en-US" sz="1600" b="0" i="0" kern="1200" cap="all" dirty="0">
                 <a:solidFill>
                   <a:schemeClr val="tx1"/>
                 </a:solidFill>
@@ -10235,8 +10226,8 @@
         </p:nvSpPr>
         <p:spPr>
           <a:xfrm>
-            <a:off x="633357" y="1200149"/>
-            <a:ext cx="2654449" cy="3223260"/>
+            <a:off x="91464" y="1131571"/>
+            <a:ext cx="3602174" cy="3223260"/>
           </a:xfrm>
         </p:spPr>
         <p:txBody>
@@ -10274,7 +10265,7 @@
               </a:rPr>
             </a:br>
             <a:r>
-              <a:rPr lang="en-US" sz="2200" b="0" i="0" kern="1200" cap="all" dirty="0">
+              <a:rPr lang="en-US" sz="1600" b="0" i="0" kern="1200" cap="all" dirty="0">
                 <a:solidFill>
                   <a:schemeClr val="tx1"/>
                 </a:solidFill>
@@ -10286,7 +10277,7 @@
               <a:t>Menampilkan jarak dan rute dari lokasi user untuk menuju ke Universitas yang dipilih</a:t>
             </a:r>
             <a:br>
-              <a:rPr lang="en-US" sz="2200" b="0" i="0" kern="1200" cap="all" dirty="0">
+              <a:rPr lang="en-US" sz="1600" b="0" i="0" kern="1200" cap="all" dirty="0">
                 <a:solidFill>
                   <a:schemeClr val="tx1"/>
                 </a:solidFill>
@@ -11966,7 +11957,7 @@
         </p:nvSpPr>
         <p:spPr>
           <a:xfrm>
-            <a:off x="1088684" y="603389"/>
+            <a:off x="1088684" y="645180"/>
             <a:ext cx="4162768" cy="786926"/>
           </a:xfrm>
         </p:spPr>
@@ -12273,6 +12264,30 @@
 <file path=ppt/slides/slide8.xml><?xml version="1.0" encoding="utf-8"?>
 <p:sld xmlns:a="http://schemas.openxmlformats.org/drawingml/2006/main" xmlns:r="http://schemas.openxmlformats.org/officeDocument/2006/relationships" xmlns:p="http://schemas.openxmlformats.org/presentationml/2006/main">
   <p:cSld>
+    <p:bg>
+      <p:bgPr>
+        <a:gradFill rotWithShape="1">
+          <a:gsLst>
+            <a:gs pos="0">
+              <a:schemeClr val="bg2">
+                <a:tint val="94000"/>
+                <a:satMod val="80000"/>
+                <a:lumMod val="106000"/>
+              </a:schemeClr>
+            </a:gs>
+            <a:gs pos="100000">
+              <a:schemeClr val="bg2">
+                <a:shade val="80000"/>
+              </a:schemeClr>
+            </a:gs>
+          </a:gsLst>
+          <a:path path="circle">
+            <a:fillToRect l="50000" t="50000" r="50000" b="50000"/>
+          </a:path>
+        </a:gradFill>
+        <a:effectLst/>
+      </p:bgPr>
+    </p:bg>
     <p:spTree>
       <p:nvGrpSpPr>
         <p:cNvPr id="1" name=""/>
@@ -12289,6 +12304,278 @@
       </p:grpSpPr>
       <p:sp>
         <p:nvSpPr>
+          <p:cNvPr id="8" name="Rectangle 7">
+            <a:extLst>
+              <a:ext uri="{FF2B5EF4-FFF2-40B4-BE49-F238E27FC236}">
+                <a16:creationId xmlns:a16="http://schemas.microsoft.com/office/drawing/2014/main" id="{23522FE7-5A29-4EF6-B1EF-2CA55748A772}"/>
+              </a:ext>
+              <a:ext uri="{C183D7F6-B498-43B3-948B-1728B52AA6E4}">
+                <adec:decorative xmlns:adec="http://schemas.microsoft.com/office/drawing/2017/decorative" val="1"/>
+              </a:ext>
+            </a:extLst>
+          </p:cNvPr>
+          <p:cNvSpPr>
+            <a:spLocks noGrp="1" noRot="1" noChangeAspect="1" noMove="1" noResize="1" noEditPoints="1" noAdjustHandles="1" noChangeArrowheads="1" noChangeShapeType="1" noTextEdit="1"/>
+          </p:cNvSpPr>
+          <p:nvPr>
+            <p:extLst>
+              <p:ext uri="{386F3935-93C4-4BCD-93E2-E3B085C9AB24}">
+                <p16:designElem xmlns:p16="http://schemas.microsoft.com/office/powerpoint/2015/main" val="1"/>
+              </p:ext>
+            </p:extLst>
+          </p:nvPr>
+        </p:nvSpPr>
+        <p:spPr>
+          <a:xfrm>
+            <a:off x="0" y="1514607"/>
+            <a:ext cx="9144000" cy="3079455"/>
+          </a:xfrm>
+          <a:prstGeom prst="rect">
+            <a:avLst/>
+          </a:prstGeom>
+          <a:gradFill flip="none" rotWithShape="1">
+            <a:gsLst>
+              <a:gs pos="0">
+                <a:schemeClr val="bg2">
+                  <a:alpha val="0"/>
+                </a:schemeClr>
+              </a:gs>
+              <a:gs pos="100000">
+                <a:schemeClr val="bg2"/>
+              </a:gs>
+            </a:gsLst>
+            <a:lin ang="5400000" scaled="0"/>
+            <a:tileRect/>
+          </a:gradFill>
+          <a:ln>
+            <a:noFill/>
+          </a:ln>
+        </p:spPr>
+        <p:style>
+          <a:lnRef idx="2">
+            <a:schemeClr val="accent1">
+              <a:shade val="50000"/>
+            </a:schemeClr>
+          </a:lnRef>
+          <a:fillRef idx="1">
+            <a:schemeClr val="accent1"/>
+          </a:fillRef>
+          <a:effectRef idx="0">
+            <a:schemeClr val="accent1"/>
+          </a:effectRef>
+          <a:fontRef idx="minor">
+            <a:schemeClr val="lt1"/>
+          </a:fontRef>
+        </p:style>
+      </p:sp>
+      <p:pic>
+        <p:nvPicPr>
+          <p:cNvPr id="10" name="Picture 9">
+            <a:extLst>
+              <a:ext uri="{FF2B5EF4-FFF2-40B4-BE49-F238E27FC236}">
+                <a16:creationId xmlns:a16="http://schemas.microsoft.com/office/drawing/2014/main" id="{C2192E09-EBC7-416C-B887-DFF915D7F43D}"/>
+              </a:ext>
+              <a:ext uri="{C183D7F6-B498-43B3-948B-1728B52AA6E4}">
+                <adec:decorative xmlns:adec="http://schemas.microsoft.com/office/drawing/2017/decorative" val="1"/>
+              </a:ext>
+            </a:extLst>
+          </p:cNvPr>
+          <p:cNvPicPr>
+            <a:picLocks noGrp="1" noRot="1" noChangeAspect="1" noMove="1" noResize="1" noEditPoints="1" noAdjustHandles="1" noChangeArrowheads="1" noChangeShapeType="1" noCrop="1"/>
+          </p:cNvPicPr>
+          <p:nvPr>
+            <p:extLst>
+              <p:ext uri="{386F3935-93C4-4BCD-93E2-E3B085C9AB24}">
+                <p16:designElem xmlns:p16="http://schemas.microsoft.com/office/powerpoint/2015/main" val="1"/>
+              </p:ext>
+            </p:extLst>
+          </p:nvPr>
+        </p:nvPicPr>
+        <p:blipFill rotWithShape="1">
+          <a:blip r:embed="rId2">
+            <a:extLst>
+              <a:ext uri="{28A0092B-C50C-407E-A947-70E740481C1C}">
+                <a14:useLocalDpi xmlns:a14="http://schemas.microsoft.com/office/drawing/2010/main" val="0"/>
+              </a:ext>
+            </a:extLst>
+          </a:blip>
+          <a:srcRect t="1538" b="-1538"/>
+          <a:stretch/>
+        </p:blipFill>
+        <p:spPr bwMode="black">
+          <a:xfrm>
+            <a:off x="0" y="4594860"/>
+            <a:ext cx="9144000" cy="557212"/>
+          </a:xfrm>
+          <a:prstGeom prst="rect">
+            <a:avLst/>
+          </a:prstGeom>
+        </p:spPr>
+      </p:pic>
+      <p:cxnSp>
+        <p:nvCxnSpPr>
+          <p:cNvPr id="12" name="Straight Connector 11">
+            <a:extLst>
+              <a:ext uri="{FF2B5EF4-FFF2-40B4-BE49-F238E27FC236}">
+                <a16:creationId xmlns:a16="http://schemas.microsoft.com/office/drawing/2014/main" id="{2924498D-E084-44BE-A196-CFCE35564350}"/>
+              </a:ext>
+              <a:ext uri="{C183D7F6-B498-43B3-948B-1728B52AA6E4}">
+                <adec:decorative xmlns:adec="http://schemas.microsoft.com/office/drawing/2017/decorative" val="1"/>
+              </a:ext>
+            </a:extLst>
+          </p:cNvPr>
+          <p:cNvCxnSpPr>
+            <a:cxnSpLocks noGrp="1" noRot="1" noChangeAspect="1" noMove="1" noResize="1" noEditPoints="1" noAdjustHandles="1" noChangeArrowheads="1" noChangeShapeType="1"/>
+          </p:cNvCxnSpPr>
+          <p:nvPr>
+            <p:extLst>
+              <p:ext uri="{386F3935-93C4-4BCD-93E2-E3B085C9AB24}">
+                <p16:designElem xmlns:p16="http://schemas.microsoft.com/office/powerpoint/2015/main" val="1"/>
+              </p:ext>
+            </p:extLst>
+          </p:nvPr>
+        </p:nvCxnSpPr>
+        <p:spPr>
+          <a:xfrm>
+            <a:off x="0" y="4596309"/>
+            <a:ext cx="9144000" cy="0"/>
+          </a:xfrm>
+          <a:prstGeom prst="line">
+            <a:avLst/>
+          </a:prstGeom>
+          <a:ln w="12700">
+            <a:solidFill>
+              <a:srgbClr val="000001">
+                <a:alpha val="20000"/>
+              </a:srgbClr>
+            </a:solidFill>
+          </a:ln>
+        </p:spPr>
+        <p:style>
+          <a:lnRef idx="1">
+            <a:schemeClr val="accent1"/>
+          </a:lnRef>
+          <a:fillRef idx="0">
+            <a:schemeClr val="accent1"/>
+          </a:fillRef>
+          <a:effectRef idx="0">
+            <a:schemeClr val="accent1"/>
+          </a:effectRef>
+          <a:fontRef idx="minor">
+            <a:schemeClr val="tx1"/>
+          </a:fontRef>
+        </p:style>
+      </p:cxnSp>
+      <p:cxnSp>
+        <p:nvCxnSpPr>
+          <p:cNvPr id="14" name="Straight Connector 13">
+            <a:extLst>
+              <a:ext uri="{FF2B5EF4-FFF2-40B4-BE49-F238E27FC236}">
+                <a16:creationId xmlns:a16="http://schemas.microsoft.com/office/drawing/2014/main" id="{14C12901-9FCC-461E-A64A-89B4791235E9}"/>
+              </a:ext>
+              <a:ext uri="{C183D7F6-B498-43B3-948B-1728B52AA6E4}">
+                <adec:decorative xmlns:adec="http://schemas.microsoft.com/office/drawing/2017/decorative" val="1"/>
+              </a:ext>
+            </a:extLst>
+          </p:cNvPr>
+          <p:cNvCxnSpPr>
+            <a:cxnSpLocks noGrp="1" noRot="1" noChangeAspect="1" noMove="1" noResize="1" noEditPoints="1" noAdjustHandles="1" noChangeArrowheads="1" noChangeShapeType="1"/>
+          </p:cNvCxnSpPr>
+          <p:nvPr>
+            <p:extLst>
+              <p:ext uri="{386F3935-93C4-4BCD-93E2-E3B085C9AB24}">
+                <p16:designElem xmlns:p16="http://schemas.microsoft.com/office/powerpoint/2015/main" val="1"/>
+              </p:ext>
+            </p:extLst>
+          </p:nvPr>
+        </p:nvCxnSpPr>
+        <p:spPr>
+          <a:xfrm>
+            <a:off x="1090422" y="1385316"/>
+            <a:ext cx="7205641" cy="0"/>
+          </a:xfrm>
+          <a:prstGeom prst="line">
+            <a:avLst/>
+          </a:prstGeom>
+          <a:ln w="31750"/>
+        </p:spPr>
+        <p:style>
+          <a:lnRef idx="3">
+            <a:schemeClr val="accent1"/>
+          </a:lnRef>
+          <a:fillRef idx="0">
+            <a:schemeClr val="accent1"/>
+          </a:fillRef>
+          <a:effectRef idx="2">
+            <a:schemeClr val="accent1"/>
+          </a:effectRef>
+          <a:fontRef idx="minor">
+            <a:schemeClr val="tx1"/>
+          </a:fontRef>
+        </p:style>
+      </p:cxnSp>
+      <p:sp useBgFill="1">
+        <p:nvSpPr>
+          <p:cNvPr id="16" name="Rectangle 15">
+            <a:extLst>
+              <a:ext uri="{FF2B5EF4-FFF2-40B4-BE49-F238E27FC236}">
+                <a16:creationId xmlns:a16="http://schemas.microsoft.com/office/drawing/2014/main" id="{29C51009-A09A-4689-8E6C-F8FC99E6A840}"/>
+              </a:ext>
+              <a:ext uri="{C183D7F6-B498-43B3-948B-1728B52AA6E4}">
+                <adec:decorative xmlns:adec="http://schemas.microsoft.com/office/drawing/2017/decorative" val="1"/>
+              </a:ext>
+            </a:extLst>
+          </p:cNvPr>
+          <p:cNvSpPr>
+            <a:spLocks noGrp="1" noRot="1" noChangeAspect="1" noMove="1" noResize="1" noEditPoints="1" noAdjustHandles="1" noChangeArrowheads="1" noChangeShapeType="1" noTextEdit="1"/>
+          </p:cNvSpPr>
+          <p:nvPr>
+            <p:extLst>
+              <p:ext uri="{386F3935-93C4-4BCD-93E2-E3B085C9AB24}">
+                <p16:designElem xmlns:p16="http://schemas.microsoft.com/office/powerpoint/2015/main" val="1"/>
+              </p:ext>
+            </p:extLst>
+          </p:nvPr>
+        </p:nvSpPr>
+        <p:spPr>
+          <a:xfrm>
+            <a:off x="1" y="0"/>
+            <a:ext cx="9143771" cy="5143500"/>
+          </a:xfrm>
+          <a:prstGeom prst="rect">
+            <a:avLst/>
+          </a:prstGeom>
+          <a:ln>
+            <a:noFill/>
+          </a:ln>
+        </p:spPr>
+        <p:style>
+          <a:lnRef idx="2">
+            <a:schemeClr val="accent1">
+              <a:shade val="50000"/>
+            </a:schemeClr>
+          </a:lnRef>
+          <a:fillRef idx="1">
+            <a:schemeClr val="accent1"/>
+          </a:fillRef>
+          <a:effectRef idx="0">
+            <a:schemeClr val="accent1"/>
+          </a:effectRef>
+          <a:fontRef idx="minor">
+            <a:schemeClr val="lt1"/>
+          </a:fontRef>
+        </p:style>
+        <p:txBody>
+          <a:bodyPr rtlCol="0" anchor="ctr"/>
+          <a:lstStyle/>
+          <a:p>
+            <a:pPr algn="ctr"/>
+            <a:endParaRPr lang="en-US"/>
+          </a:p>
+        </p:txBody>
+      </p:sp>
+      <p:sp>
+        <p:nvSpPr>
           <p:cNvPr id="2" name="Title 1">
             <a:extLst>
               <a:ext uri="{FF2B5EF4-FFF2-40B4-BE49-F238E27FC236}">
@@ -12303,103 +12590,129 @@
             <p:ph type="title"/>
           </p:nvPr>
         </p:nvSpPr>
-        <p:spPr/>
+        <p:spPr>
+          <a:xfrm>
+            <a:off x="86006" y="1232510"/>
+            <a:ext cx="3521627" cy="3223260"/>
+          </a:xfrm>
+        </p:spPr>
         <p:txBody>
-          <a:bodyPr>
-            <a:normAutofit fontScale="90000"/>
+          <a:bodyPr vert="horz" lIns="91440" tIns="45720" rIns="91440" bIns="45720" rtlCol="0" anchor="ctr">
+            <a:normAutofit/>
           </a:bodyPr>
           <a:lstStyle/>
           <a:p>
-            <a:r>
-              <a:rPr lang="en-US" dirty="0" err="1"/>
-              <a:t>Fitur</a:t>
-            </a:r>
-            <a:r>
-              <a:rPr lang="en-US" dirty="0"/>
-              <a:t> 2</a:t>
+            <a:pPr defTabSz="914400">
+              <a:spcBef>
+                <a:spcPct val="0"/>
+              </a:spcBef>
+            </a:pPr>
+            <a:r>
+              <a:rPr lang="en-US" sz="2500" b="0" i="0" kern="1200" cap="all" dirty="0">
+                <a:solidFill>
+                  <a:schemeClr val="tx1"/>
+                </a:solidFill>
+                <a:effectLst/>
+                <a:latin typeface="+mj-lt"/>
+                <a:ea typeface="+mj-ea"/>
+                <a:cs typeface="+mj-cs"/>
+              </a:rPr>
+              <a:t>Fitur 2</a:t>
             </a:r>
             <a:br>
-              <a:rPr lang="en-US" dirty="0"/>
+              <a:rPr lang="en-US" sz="2500" b="0" i="0" kern="1200" cap="all" dirty="0">
+                <a:solidFill>
+                  <a:schemeClr val="tx1"/>
+                </a:solidFill>
+                <a:effectLst/>
+                <a:latin typeface="+mj-lt"/>
+                <a:ea typeface="+mj-ea"/>
+                <a:cs typeface="+mj-cs"/>
+              </a:rPr>
             </a:br>
             <a:r>
-              <a:rPr lang="en-US" sz="2000" dirty="0" err="1"/>
-              <a:t>Menampilkan</a:t>
-            </a:r>
-            <a:r>
-              <a:rPr lang="en-US" sz="2000" dirty="0"/>
-              <a:t> </a:t>
-            </a:r>
-            <a:r>
-              <a:rPr lang="en-US" sz="2000" dirty="0" err="1"/>
-              <a:t>jarak</a:t>
-            </a:r>
-            <a:r>
-              <a:rPr lang="en-US" sz="2000" dirty="0"/>
-              <a:t> dan </a:t>
-            </a:r>
-            <a:r>
-              <a:rPr lang="en-US" sz="2000" dirty="0" err="1"/>
-              <a:t>rute</a:t>
-            </a:r>
-            <a:r>
-              <a:rPr lang="en-US" sz="2000" dirty="0"/>
-              <a:t> </a:t>
-            </a:r>
-            <a:r>
-              <a:rPr lang="en-US" sz="2000" dirty="0" err="1"/>
-              <a:t>terdekat</a:t>
-            </a:r>
-            <a:r>
-              <a:rPr lang="en-US" sz="2000" dirty="0"/>
-              <a:t> </a:t>
-            </a:r>
-            <a:r>
-              <a:rPr lang="en-US" sz="2000" dirty="0" err="1"/>
-              <a:t>untuk</a:t>
-            </a:r>
-            <a:r>
-              <a:rPr lang="en-US" sz="2000" dirty="0"/>
-              <a:t> </a:t>
-            </a:r>
-            <a:r>
-              <a:rPr lang="en-US" sz="2000" dirty="0" err="1"/>
-              <a:t>ke</a:t>
-            </a:r>
-            <a:r>
-              <a:rPr lang="en-US" sz="2000" dirty="0"/>
-              <a:t> </a:t>
-            </a:r>
-            <a:r>
-              <a:rPr lang="en-US" sz="2000" dirty="0" err="1"/>
-              <a:t>universitas</a:t>
-            </a:r>
-            <a:r>
-              <a:rPr lang="en-US" sz="2000" dirty="0"/>
-              <a:t> </a:t>
-            </a:r>
-            <a:r>
-              <a:rPr lang="en-US" sz="2000" dirty="0" err="1"/>
-              <a:t>dari</a:t>
-            </a:r>
-            <a:r>
-              <a:rPr lang="en-US" sz="2000" dirty="0"/>
-              <a:t> </a:t>
-            </a:r>
-            <a:r>
-              <a:rPr lang="en-US" sz="2000" dirty="0" err="1"/>
-              <a:t>lokasi</a:t>
-            </a:r>
-            <a:r>
-              <a:rPr lang="en-US" sz="2000" dirty="0"/>
-              <a:t> input user</a:t>
+              <a:rPr lang="en-US" sz="1600" b="0" i="0" kern="1200" cap="all" dirty="0">
+                <a:solidFill>
+                  <a:schemeClr val="tx1"/>
+                </a:solidFill>
+                <a:effectLst/>
+                <a:latin typeface="+mj-lt"/>
+                <a:ea typeface="+mj-ea"/>
+                <a:cs typeface="+mj-cs"/>
+              </a:rPr>
+              <a:t>Menampilkan jarak dan rute terdekat untuk ke universitas dari lokasi input user</a:t>
             </a:r>
             <a:br>
-              <a:rPr lang="en-US" sz="2000" dirty="0"/>
+              <a:rPr lang="en-US" sz="2500" b="0" i="0" kern="1200" cap="all" dirty="0">
+                <a:solidFill>
+                  <a:schemeClr val="tx1"/>
+                </a:solidFill>
+                <a:effectLst/>
+                <a:latin typeface="+mj-lt"/>
+                <a:ea typeface="+mj-ea"/>
+                <a:cs typeface="+mj-cs"/>
+              </a:rPr>
             </a:br>
-            <a:endParaRPr lang="en-US" sz="2000" dirty="0"/>
+            <a:endParaRPr lang="en-US" sz="2500" b="0" i="0" kern="1200" cap="all" dirty="0">
+              <a:solidFill>
+                <a:schemeClr val="tx1"/>
+              </a:solidFill>
+              <a:effectLst/>
+              <a:latin typeface="+mj-lt"/>
+              <a:ea typeface="+mj-ea"/>
+              <a:cs typeface="+mj-cs"/>
+            </a:endParaRPr>
           </a:p>
         </p:txBody>
       </p:sp>
+      <p:cxnSp>
+        <p:nvCxnSpPr>
+          <p:cNvPr id="18" name="Straight Connector 17">
+            <a:extLst>
+              <a:ext uri="{FF2B5EF4-FFF2-40B4-BE49-F238E27FC236}">
+                <a16:creationId xmlns:a16="http://schemas.microsoft.com/office/drawing/2014/main" id="{9EC65442-F244-409C-BF44-C5D6472E810A}"/>
+              </a:ext>
+              <a:ext uri="{C183D7F6-B498-43B3-948B-1728B52AA6E4}">
+                <adec:decorative xmlns:adec="http://schemas.microsoft.com/office/drawing/2017/decorative" val="1"/>
+              </a:ext>
+            </a:extLst>
+          </p:cNvPr>
+          <p:cNvCxnSpPr>
+            <a:cxnSpLocks noGrp="1" noRot="1" noChangeAspect="1" noMove="1" noResize="1" noEditPoints="1" noAdjustHandles="1" noChangeArrowheads="1" noChangeShapeType="1"/>
+          </p:cNvCxnSpPr>
+          <p:nvPr>
+            <p:extLst>
+              <p:ext uri="{386F3935-93C4-4BCD-93E2-E3B085C9AB24}">
+                <p16:designElem xmlns:p16="http://schemas.microsoft.com/office/powerpoint/2015/main" val="1"/>
+              </p:ext>
+            </p:extLst>
+          </p:nvPr>
+        </p:nvCxnSpPr>
+        <p:spPr>
+          <a:xfrm>
+            <a:off x="3490722" y="1611629"/>
+            <a:ext cx="0" cy="2400300"/>
+          </a:xfrm>
+          <a:prstGeom prst="line">
+            <a:avLst/>
+          </a:prstGeom>
+          <a:ln w="31750"/>
+        </p:spPr>
+        <p:style>
+          <a:lnRef idx="1">
+            <a:schemeClr val="accent1"/>
+          </a:lnRef>
+          <a:fillRef idx="0">
+            <a:schemeClr val="accent1"/>
+          </a:fillRef>
+          <a:effectRef idx="0">
+            <a:schemeClr val="accent1"/>
+          </a:effectRef>
+          <a:fontRef idx="minor">
+            <a:schemeClr val="tx1"/>
+          </a:fontRef>
+        </p:style>
+      </p:cxnSp>
       <p:sp>
         <p:nvSpPr>
           <p:cNvPr id="3" name="Text Placeholder 2">
@@ -12416,470 +12729,553 @@
             <p:ph type="body" idx="1"/>
           </p:nvPr>
         </p:nvSpPr>
-        <p:spPr/>
+        <p:spPr>
+          <a:xfrm>
+            <a:off x="3693638" y="1200149"/>
+            <a:ext cx="4597502" cy="3223260"/>
+          </a:xfrm>
+        </p:spPr>
         <p:txBody>
-          <a:bodyPr>
+          <a:bodyPr vert="horz" lIns="91440" tIns="45720" rIns="91440" bIns="45720" rtlCol="0" anchor="ctr">
             <a:normAutofit/>
           </a:bodyPr>
           <a:lstStyle/>
           <a:p>
-            <a:pPr marL="146050" indent="0">
+            <a:pPr marL="0" indent="0" defTabSz="914400">
+              <a:lnSpc>
+                <a:spcPct val="110000"/>
+              </a:lnSpc>
+              <a:spcAft>
+                <a:spcPts val="600"/>
+              </a:spcAft>
+              <a:buSzPct val="100000"/>
               <a:buNone/>
             </a:pPr>
             <a:r>
-              <a:rPr lang="en-US" dirty="0" err="1"/>
+              <a:rPr lang="en-US" sz="1300" dirty="0" err="1"/>
               <a:t>Berikut</a:t>
             </a:r>
             <a:r>
-              <a:rPr lang="en-US" dirty="0"/>
+              <a:rPr lang="en-US" sz="1300" dirty="0"/>
               <a:t> proses </a:t>
             </a:r>
             <a:r>
-              <a:rPr lang="en-US" dirty="0" err="1"/>
+              <a:rPr lang="en-US" sz="1300" dirty="0" err="1"/>
               <a:t>untuk</a:t>
             </a:r>
             <a:r>
-              <a:rPr lang="en-US" dirty="0"/>
-              <a:t> </a:t>
-            </a:r>
-            <a:r>
-              <a:rPr lang="en-US" dirty="0" err="1"/>
+              <a:rPr lang="en-US" sz="1300" dirty="0"/>
+              <a:t> </a:t>
+            </a:r>
+            <a:r>
+              <a:rPr lang="en-US" sz="1300" dirty="0" err="1"/>
               <a:t>membuat</a:t>
             </a:r>
             <a:r>
-              <a:rPr lang="en-US" dirty="0"/>
-              <a:t> </a:t>
-            </a:r>
-            <a:r>
-              <a:rPr lang="en-US" dirty="0" err="1"/>
+              <a:rPr lang="en-US" sz="1300" dirty="0"/>
+              <a:t> </a:t>
+            </a:r>
+            <a:r>
+              <a:rPr lang="en-US" sz="1300" dirty="0" err="1"/>
               <a:t>fitur</a:t>
             </a:r>
             <a:r>
-              <a:rPr lang="en-US" dirty="0"/>
-              <a:t> </a:t>
-            </a:r>
-            <a:r>
-              <a:rPr lang="en-US" sz="1400" dirty="0" err="1"/>
+              <a:rPr lang="en-US" sz="1300" dirty="0"/>
+              <a:t> </a:t>
+            </a:r>
+            <a:r>
+              <a:rPr lang="en-US" sz="1300" dirty="0" err="1"/>
               <a:t>Menampilkan</a:t>
             </a:r>
             <a:r>
-              <a:rPr lang="en-US" sz="1400" dirty="0"/>
-              <a:t> </a:t>
-            </a:r>
-            <a:r>
-              <a:rPr lang="en-US" sz="1400" dirty="0" err="1"/>
+              <a:rPr lang="en-US" sz="1300" dirty="0"/>
+              <a:t> </a:t>
+            </a:r>
+            <a:r>
+              <a:rPr lang="en-US" sz="1300" dirty="0" err="1"/>
               <a:t>jarak</a:t>
             </a:r>
             <a:r>
-              <a:rPr lang="en-US" sz="1400" dirty="0"/>
+              <a:rPr lang="en-US" sz="1300" dirty="0"/>
               <a:t> dan </a:t>
             </a:r>
             <a:r>
-              <a:rPr lang="en-US" sz="1400" dirty="0" err="1"/>
+              <a:rPr lang="en-US" sz="1300" dirty="0" err="1"/>
               <a:t>rute</a:t>
             </a:r>
             <a:r>
-              <a:rPr lang="en-US" sz="1400" dirty="0"/>
-              <a:t> </a:t>
-            </a:r>
-            <a:r>
-              <a:rPr lang="en-US" sz="1400" dirty="0" err="1"/>
+              <a:rPr lang="en-US" sz="1300" dirty="0"/>
+              <a:t> </a:t>
+            </a:r>
+            <a:r>
+              <a:rPr lang="en-US" sz="1300" dirty="0" err="1"/>
               <a:t>terdekat</a:t>
             </a:r>
             <a:r>
-              <a:rPr lang="en-US" sz="1400" dirty="0"/>
-              <a:t> </a:t>
-            </a:r>
-            <a:r>
-              <a:rPr lang="en-US" sz="1400" dirty="0" err="1"/>
+              <a:rPr lang="en-US" sz="1300" dirty="0"/>
+              <a:t> </a:t>
+            </a:r>
+            <a:r>
+              <a:rPr lang="en-US" sz="1300" dirty="0" err="1"/>
               <a:t>untuk</a:t>
             </a:r>
             <a:r>
-              <a:rPr lang="en-US" sz="1400" dirty="0"/>
-              <a:t> </a:t>
-            </a:r>
-            <a:r>
-              <a:rPr lang="en-US" sz="1400" dirty="0" err="1"/>
+              <a:rPr lang="en-US" sz="1300" dirty="0"/>
+              <a:t> </a:t>
+            </a:r>
+            <a:r>
+              <a:rPr lang="en-US" sz="1300" dirty="0" err="1"/>
               <a:t>ke</a:t>
             </a:r>
             <a:r>
-              <a:rPr lang="en-US" sz="1400" dirty="0"/>
-              <a:t> </a:t>
-            </a:r>
-            <a:r>
-              <a:rPr lang="en-US" sz="1400" dirty="0" err="1"/>
+              <a:rPr lang="en-US" sz="1300" dirty="0"/>
+              <a:t> </a:t>
+            </a:r>
+            <a:r>
+              <a:rPr lang="en-US" sz="1300" dirty="0" err="1"/>
               <a:t>universitas</a:t>
             </a:r>
             <a:r>
-              <a:rPr lang="en-US" sz="1400" dirty="0"/>
-              <a:t> </a:t>
-            </a:r>
-            <a:r>
-              <a:rPr lang="en-US" sz="1400" dirty="0" err="1"/>
+              <a:rPr lang="en-US" sz="1300" dirty="0"/>
+              <a:t> </a:t>
+            </a:r>
+            <a:r>
+              <a:rPr lang="en-US" sz="1300" dirty="0" err="1"/>
               <a:t>dari</a:t>
             </a:r>
             <a:r>
-              <a:rPr lang="en-US" sz="1400" dirty="0"/>
-              <a:t> </a:t>
-            </a:r>
-            <a:r>
-              <a:rPr lang="en-US" sz="1400" dirty="0" err="1"/>
+              <a:rPr lang="en-US" sz="1300" dirty="0"/>
+              <a:t> </a:t>
+            </a:r>
+            <a:r>
+              <a:rPr lang="en-US" sz="1300" dirty="0" err="1"/>
               <a:t>lokasi</a:t>
             </a:r>
             <a:r>
-              <a:rPr lang="en-US" sz="1400" dirty="0"/>
+              <a:rPr lang="en-US" sz="1300" dirty="0"/>
               <a:t> input </a:t>
             </a:r>
             <a:r>
-              <a:rPr lang="en-US" sz="1400" dirty="0" err="1"/>
+              <a:rPr lang="en-US" sz="1300" dirty="0" err="1"/>
               <a:t>maupun</a:t>
             </a:r>
             <a:r>
-              <a:rPr lang="en-US" sz="1400" dirty="0"/>
-              <a:t> </a:t>
-            </a:r>
-            <a:r>
-              <a:rPr lang="en-US" sz="1400" dirty="0" err="1"/>
+              <a:rPr lang="en-US" sz="1300" dirty="0"/>
+              <a:t> </a:t>
+            </a:r>
+            <a:r>
+              <a:rPr lang="en-US" sz="1300" dirty="0" err="1"/>
               <a:t>lokasi</a:t>
             </a:r>
             <a:r>
-              <a:rPr lang="en-US" sz="1400" dirty="0"/>
+              <a:rPr lang="en-US" sz="1300" dirty="0"/>
               <a:t> user </a:t>
             </a:r>
             <a:r>
-              <a:rPr lang="en-US" sz="1400" dirty="0" err="1"/>
+              <a:rPr lang="en-US" sz="1300" dirty="0" err="1"/>
               <a:t>saat</a:t>
             </a:r>
             <a:r>
-              <a:rPr lang="en-US" sz="1400" dirty="0"/>
-              <a:t> </a:t>
-            </a:r>
-            <a:r>
-              <a:rPr lang="en-US" sz="1400" dirty="0" err="1"/>
+              <a:rPr lang="en-US" sz="1300" dirty="0"/>
+              <a:t> </a:t>
+            </a:r>
+            <a:r>
+              <a:rPr lang="en-US" sz="1300" dirty="0" err="1"/>
               <a:t>ini</a:t>
             </a:r>
-            <a:endParaRPr lang="en-US" sz="1400" dirty="0"/>
-          </a:p>
-          <a:p>
-            <a:r>
-              <a:rPr lang="en-US" dirty="0" err="1"/>
+            <a:endParaRPr lang="en-US" sz="1300" dirty="0"/>
+          </a:p>
+          <a:p>
+            <a:pPr indent="-228600" defTabSz="914400">
+              <a:lnSpc>
+                <a:spcPct val="110000"/>
+              </a:lnSpc>
+              <a:spcAft>
+                <a:spcPts val="600"/>
+              </a:spcAft>
+              <a:buSzPct val="100000"/>
+              <a:buFont typeface="Arial" panose="020B0604020202020204" pitchFamily="34" charset="0"/>
+              <a:buChar char="•"/>
+            </a:pPr>
+            <a:r>
+              <a:rPr lang="en-US" sz="1300" dirty="0" err="1"/>
               <a:t>Membuat</a:t>
             </a:r>
             <a:r>
-              <a:rPr lang="en-US" dirty="0"/>
-              <a:t> </a:t>
-            </a:r>
-            <a:r>
-              <a:rPr lang="en-US" dirty="0" err="1"/>
+              <a:rPr lang="en-US" sz="1300" dirty="0"/>
+              <a:t> </a:t>
+            </a:r>
+            <a:r>
+              <a:rPr lang="en-US" sz="1300" dirty="0" err="1"/>
               <a:t>fungsi</a:t>
             </a:r>
             <a:r>
-              <a:rPr lang="en-US" dirty="0"/>
-              <a:t> </a:t>
-            </a:r>
-            <a:r>
-              <a:rPr lang="en-US" dirty="0" err="1"/>
+              <a:rPr lang="en-US" sz="1300" dirty="0"/>
+              <a:t> </a:t>
+            </a:r>
+            <a:r>
+              <a:rPr lang="en-US" sz="1300" dirty="0" err="1"/>
               <a:t>untuk</a:t>
             </a:r>
             <a:r>
-              <a:rPr lang="en-US" dirty="0"/>
-              <a:t> </a:t>
-            </a:r>
-            <a:r>
-              <a:rPr lang="en-US" dirty="0" err="1"/>
+              <a:rPr lang="en-US" sz="1300" dirty="0"/>
+              <a:t> </a:t>
+            </a:r>
+            <a:r>
+              <a:rPr lang="en-US" sz="1300" dirty="0" err="1"/>
               <a:t>mendapatkan</a:t>
             </a:r>
             <a:r>
-              <a:rPr lang="en-US" dirty="0"/>
-              <a:t> </a:t>
-            </a:r>
-            <a:r>
-              <a:rPr lang="en-US" i="1" dirty="0"/>
+              <a:rPr lang="en-US" sz="1300" dirty="0"/>
+              <a:t> </a:t>
+            </a:r>
+            <a:r>
+              <a:rPr lang="en-US" sz="1300" i="1" dirty="0"/>
               <a:t>current location user </a:t>
             </a:r>
             <a:r>
-              <a:rPr lang="en-US" dirty="0" err="1"/>
+              <a:rPr lang="en-US" sz="1300" dirty="0" err="1"/>
               <a:t>menggunakan</a:t>
             </a:r>
             <a:r>
-              <a:rPr lang="en-US" dirty="0"/>
-              <a:t> </a:t>
-            </a:r>
-            <a:r>
-              <a:rPr lang="en-US" i="1" dirty="0"/>
+              <a:rPr lang="en-US" sz="1300" dirty="0"/>
+              <a:t> </a:t>
+            </a:r>
+            <a:r>
+              <a:rPr lang="en-US" sz="1300" i="1" dirty="0"/>
               <a:t>geolocation</a:t>
             </a:r>
-            <a:endParaRPr lang="en-US" dirty="0"/>
-          </a:p>
-          <a:p>
-            <a:r>
-              <a:rPr lang="en-US" dirty="0" err="1"/>
+            <a:endParaRPr lang="en-US" sz="1300" dirty="0"/>
+          </a:p>
+          <a:p>
+            <a:pPr indent="-228600" defTabSz="914400">
+              <a:lnSpc>
+                <a:spcPct val="110000"/>
+              </a:lnSpc>
+              <a:spcAft>
+                <a:spcPts val="600"/>
+              </a:spcAft>
+              <a:buSzPct val="100000"/>
+              <a:buFont typeface="Arial" panose="020B0604020202020204" pitchFamily="34" charset="0"/>
+              <a:buChar char="•"/>
+            </a:pPr>
+            <a:r>
+              <a:rPr lang="en-US" sz="1300" dirty="0" err="1"/>
               <a:t>Membuat</a:t>
             </a:r>
             <a:r>
-              <a:rPr lang="en-US" dirty="0"/>
-              <a:t> </a:t>
-            </a:r>
-            <a:r>
-              <a:rPr lang="en-US" dirty="0" err="1"/>
+              <a:rPr lang="en-US" sz="1300" dirty="0"/>
+              <a:t> </a:t>
+            </a:r>
+            <a:r>
+              <a:rPr lang="en-US" sz="1300" dirty="0" err="1"/>
               <a:t>inputan</a:t>
             </a:r>
             <a:r>
-              <a:rPr lang="en-US" dirty="0"/>
-              <a:t> </a:t>
-            </a:r>
-            <a:r>
-              <a:rPr lang="en-US" dirty="0" err="1"/>
+              <a:rPr lang="en-US" sz="1300" dirty="0"/>
+              <a:t> </a:t>
+            </a:r>
+            <a:r>
+              <a:rPr lang="en-US" sz="1300" dirty="0" err="1"/>
               <a:t>lokasi</a:t>
             </a:r>
             <a:r>
-              <a:rPr lang="en-US" dirty="0"/>
-              <a:t> </a:t>
-            </a:r>
-            <a:r>
-              <a:rPr lang="en-US" dirty="0" err="1"/>
+              <a:rPr lang="en-US" sz="1300" dirty="0"/>
+              <a:t> </a:t>
+            </a:r>
+            <a:r>
+              <a:rPr lang="en-US" sz="1300" dirty="0" err="1"/>
               <a:t>saat</a:t>
             </a:r>
             <a:r>
-              <a:rPr lang="en-US" dirty="0"/>
-              <a:t> </a:t>
-            </a:r>
-            <a:r>
-              <a:rPr lang="en-US" dirty="0" err="1"/>
+              <a:rPr lang="en-US" sz="1300" dirty="0"/>
+              <a:t> </a:t>
+            </a:r>
+            <a:r>
+              <a:rPr lang="en-US" sz="1300" dirty="0" err="1"/>
               <a:t>ini</a:t>
             </a:r>
             <a:r>
-              <a:rPr lang="en-US" dirty="0"/>
+              <a:rPr lang="en-US" sz="1300" dirty="0"/>
               <a:t>, yang </a:t>
             </a:r>
             <a:r>
-              <a:rPr lang="en-US" dirty="0" err="1"/>
+              <a:rPr lang="en-US" sz="1300" dirty="0" err="1"/>
               <a:t>berisi</a:t>
             </a:r>
             <a:r>
-              <a:rPr lang="en-US" dirty="0"/>
+              <a:rPr lang="en-US" sz="1300" dirty="0"/>
               <a:t> 2 </a:t>
             </a:r>
             <a:r>
-              <a:rPr lang="en-US" dirty="0" err="1"/>
+              <a:rPr lang="en-US" sz="1300" dirty="0" err="1"/>
               <a:t>tabel</a:t>
             </a:r>
             <a:r>
-              <a:rPr lang="en-US" dirty="0"/>
-              <a:t> </a:t>
-            </a:r>
-            <a:r>
-              <a:rPr lang="en-US" dirty="0" err="1"/>
+              <a:rPr lang="en-US" sz="1300" dirty="0"/>
+              <a:t> </a:t>
+            </a:r>
+            <a:r>
+              <a:rPr lang="en-US" sz="1300" dirty="0" err="1"/>
               <a:t>inputan</a:t>
             </a:r>
             <a:r>
-              <a:rPr lang="en-US" dirty="0"/>
-              <a:t> </a:t>
-            </a:r>
-            <a:r>
-              <a:rPr lang="en-US" dirty="0" err="1"/>
+              <a:rPr lang="en-US" sz="1300" dirty="0"/>
+              <a:t> </a:t>
+            </a:r>
+            <a:r>
+              <a:rPr lang="en-US" sz="1300" dirty="0" err="1"/>
               <a:t>koordinat</a:t>
             </a:r>
             <a:r>
-              <a:rPr lang="en-US" dirty="0"/>
+              <a:rPr lang="en-US" sz="1300" dirty="0"/>
               <a:t> X dan </a:t>
             </a:r>
             <a:r>
-              <a:rPr lang="en-US" dirty="0" err="1"/>
+              <a:rPr lang="en-US" sz="1300" dirty="0" err="1"/>
               <a:t>koordinat</a:t>
             </a:r>
             <a:r>
-              <a:rPr lang="en-US" dirty="0"/>
+              <a:rPr lang="en-US" sz="1300" dirty="0"/>
               <a:t> Y</a:t>
             </a:r>
           </a:p>
           <a:p>
-            <a:r>
-              <a:rPr lang="en-US" dirty="0" err="1"/>
+            <a:pPr indent="-228600" defTabSz="914400">
+              <a:lnSpc>
+                <a:spcPct val="110000"/>
+              </a:lnSpc>
+              <a:spcAft>
+                <a:spcPts val="600"/>
+              </a:spcAft>
+              <a:buSzPct val="100000"/>
+              <a:buFont typeface="Arial" panose="020B0604020202020204" pitchFamily="34" charset="0"/>
+              <a:buChar char="•"/>
+            </a:pPr>
+            <a:r>
+              <a:rPr lang="en-US" sz="1300" dirty="0" err="1"/>
               <a:t>Membuat</a:t>
             </a:r>
             <a:r>
-              <a:rPr lang="en-US" dirty="0"/>
-              <a:t> </a:t>
-            </a:r>
-            <a:r>
-              <a:rPr lang="en-US" dirty="0" err="1"/>
+              <a:rPr lang="en-US" sz="1300" dirty="0"/>
+              <a:t> </a:t>
+            </a:r>
+            <a:r>
+              <a:rPr lang="en-US" sz="1300" dirty="0" err="1"/>
               <a:t>tombol</a:t>
             </a:r>
             <a:r>
-              <a:rPr lang="en-US" dirty="0"/>
-              <a:t> </a:t>
-            </a:r>
-            <a:r>
-              <a:rPr lang="en-US" dirty="0" err="1"/>
+              <a:rPr lang="en-US" sz="1300" dirty="0"/>
+              <a:t> </a:t>
+            </a:r>
+            <a:r>
+              <a:rPr lang="en-US" sz="1300" dirty="0" err="1"/>
               <a:t>cari</a:t>
             </a:r>
             <a:r>
-              <a:rPr lang="en-US" dirty="0"/>
-              <a:t> </a:t>
-            </a:r>
-            <a:r>
-              <a:rPr lang="en-US" dirty="0" err="1"/>
+              <a:rPr lang="en-US" sz="1300" dirty="0"/>
+              <a:t> </a:t>
+            </a:r>
+            <a:r>
+              <a:rPr lang="en-US" sz="1300" dirty="0" err="1"/>
               <a:t>rute</a:t>
             </a:r>
             <a:r>
-              <a:rPr lang="en-US" dirty="0"/>
+              <a:rPr lang="en-US" sz="1300" dirty="0"/>
               <a:t> dan </a:t>
             </a:r>
             <a:r>
-              <a:rPr lang="en-US" dirty="0" err="1"/>
+              <a:rPr lang="en-US" sz="1300" dirty="0" err="1"/>
               <a:t>jarak</a:t>
             </a:r>
             <a:r>
-              <a:rPr lang="en-US" dirty="0"/>
-              <a:t> </a:t>
-            </a:r>
-            <a:r>
-              <a:rPr lang="en-US" dirty="0" err="1"/>
+              <a:rPr lang="en-US" sz="1300" dirty="0"/>
+              <a:t> </a:t>
+            </a:r>
+            <a:r>
+              <a:rPr lang="en-US" sz="1300" dirty="0" err="1"/>
               <a:t>untuk</a:t>
             </a:r>
             <a:r>
-              <a:rPr lang="en-US" dirty="0"/>
-              <a:t> </a:t>
-            </a:r>
-            <a:r>
-              <a:rPr lang="en-US" dirty="0" err="1"/>
+              <a:rPr lang="en-US" sz="1300" dirty="0"/>
+              <a:t> </a:t>
+            </a:r>
+            <a:r>
+              <a:rPr lang="en-US" sz="1300" dirty="0" err="1"/>
               <a:t>memproses</a:t>
             </a:r>
             <a:r>
-              <a:rPr lang="en-US" dirty="0"/>
-              <a:t> </a:t>
-            </a:r>
-            <a:r>
-              <a:rPr lang="en-US" dirty="0" err="1"/>
+              <a:rPr lang="en-US" sz="1300" dirty="0"/>
+              <a:t> </a:t>
+            </a:r>
+            <a:r>
+              <a:rPr lang="en-US" sz="1300" dirty="0" err="1"/>
               <a:t>pengolahan</a:t>
             </a:r>
             <a:r>
-              <a:rPr lang="en-US" dirty="0"/>
+              <a:rPr lang="en-US" sz="1300" dirty="0"/>
               <a:t> data (</a:t>
             </a:r>
             <a:r>
-              <a:rPr lang="en-US" dirty="0" err="1"/>
+              <a:rPr lang="en-US" sz="1300" dirty="0" err="1"/>
               <a:t>pencarian</a:t>
             </a:r>
             <a:r>
-              <a:rPr lang="en-US" dirty="0"/>
-              <a:t> </a:t>
-            </a:r>
-            <a:r>
-              <a:rPr lang="en-US" dirty="0" err="1"/>
+              <a:rPr lang="en-US" sz="1300" dirty="0"/>
+              <a:t> </a:t>
+            </a:r>
+            <a:r>
+              <a:rPr lang="en-US" sz="1300" dirty="0" err="1"/>
               <a:t>rute</a:t>
             </a:r>
             <a:r>
-              <a:rPr lang="en-US" dirty="0"/>
+              <a:rPr lang="en-US" sz="1300" dirty="0"/>
               <a:t> dan </a:t>
             </a:r>
             <a:r>
-              <a:rPr lang="en-US" dirty="0" err="1"/>
+              <a:rPr lang="en-US" sz="1300" dirty="0" err="1"/>
               <a:t>perhitungan</a:t>
             </a:r>
             <a:r>
-              <a:rPr lang="en-US" dirty="0"/>
-              <a:t> </a:t>
-            </a:r>
-            <a:r>
-              <a:rPr lang="en-US" dirty="0" err="1"/>
+              <a:rPr lang="en-US" sz="1300" dirty="0"/>
+              <a:t> </a:t>
+            </a:r>
+            <a:r>
+              <a:rPr lang="en-US" sz="1300" dirty="0" err="1"/>
               <a:t>jarak</a:t>
             </a:r>
             <a:r>
-              <a:rPr lang="en-US" dirty="0"/>
+              <a:rPr lang="en-US" sz="1300" dirty="0"/>
               <a:t>)</a:t>
             </a:r>
           </a:p>
           <a:p>
-            <a:r>
-              <a:rPr lang="en-US" dirty="0" err="1"/>
+            <a:pPr indent="-228600" defTabSz="914400">
+              <a:lnSpc>
+                <a:spcPct val="110000"/>
+              </a:lnSpc>
+              <a:spcAft>
+                <a:spcPts val="600"/>
+              </a:spcAft>
+              <a:buSzPct val="100000"/>
+              <a:buFont typeface="Arial" panose="020B0604020202020204" pitchFamily="34" charset="0"/>
+              <a:buChar char="•"/>
+            </a:pPr>
+            <a:r>
+              <a:rPr lang="en-US" sz="1300" dirty="0" err="1"/>
               <a:t>Membuat</a:t>
             </a:r>
             <a:r>
-              <a:rPr lang="en-US" dirty="0"/>
-              <a:t> </a:t>
-            </a:r>
-            <a:r>
-              <a:rPr lang="en-US" dirty="0" err="1"/>
+              <a:rPr lang="en-US" sz="1300" dirty="0"/>
+              <a:t> </a:t>
+            </a:r>
+            <a:r>
+              <a:rPr lang="en-US" sz="1300" dirty="0" err="1"/>
               <a:t>kolom</a:t>
             </a:r>
             <a:r>
-              <a:rPr lang="en-US" dirty="0"/>
-              <a:t> </a:t>
-            </a:r>
-            <a:r>
-              <a:rPr lang="en-US" dirty="0" err="1"/>
+              <a:rPr lang="en-US" sz="1300" dirty="0"/>
+              <a:t> </a:t>
+            </a:r>
+            <a:r>
+              <a:rPr lang="en-US" sz="1300" dirty="0" err="1"/>
               <a:t>untuk</a:t>
             </a:r>
             <a:r>
-              <a:rPr lang="en-US" dirty="0"/>
-              <a:t> </a:t>
-            </a:r>
-            <a:r>
-              <a:rPr lang="en-US" dirty="0" err="1"/>
+              <a:rPr lang="en-US" sz="1300" dirty="0"/>
+              <a:t> </a:t>
+            </a:r>
+            <a:r>
+              <a:rPr lang="en-US" sz="1300" dirty="0" err="1"/>
               <a:t>menampilkan</a:t>
             </a:r>
             <a:r>
-              <a:rPr lang="en-US" dirty="0"/>
-              <a:t> </a:t>
-            </a:r>
-            <a:r>
-              <a:rPr lang="en-US" dirty="0" err="1"/>
+              <a:rPr lang="en-US" sz="1300" dirty="0"/>
+              <a:t> </a:t>
+            </a:r>
+            <a:r>
+              <a:rPr lang="en-US" sz="1300" dirty="0" err="1"/>
               <a:t>jarak</a:t>
             </a:r>
             <a:r>
-              <a:rPr lang="en-US" dirty="0"/>
-              <a:t> </a:t>
-            </a:r>
-            <a:r>
-              <a:rPr lang="en-US" dirty="0" err="1"/>
+              <a:rPr lang="en-US" sz="1300" dirty="0"/>
+              <a:t> </a:t>
+            </a:r>
+            <a:r>
+              <a:rPr lang="en-US" sz="1300" dirty="0" err="1"/>
               <a:t>tempuh</a:t>
             </a:r>
-            <a:endParaRPr lang="en-US" dirty="0"/>
-          </a:p>
-          <a:p>
-            <a:r>
-              <a:rPr lang="en-US" dirty="0" err="1"/>
+            <a:endParaRPr lang="en-US" sz="1300" dirty="0"/>
+          </a:p>
+          <a:p>
+            <a:pPr indent="-228600" defTabSz="914400">
+              <a:lnSpc>
+                <a:spcPct val="110000"/>
+              </a:lnSpc>
+              <a:spcAft>
+                <a:spcPts val="600"/>
+              </a:spcAft>
+              <a:buSzPct val="100000"/>
+              <a:buFont typeface="Arial" panose="020B0604020202020204" pitchFamily="34" charset="0"/>
+              <a:buChar char="•"/>
+            </a:pPr>
+            <a:r>
+              <a:rPr lang="en-US" sz="1300" dirty="0" err="1"/>
               <a:t>Menampilkan</a:t>
             </a:r>
             <a:r>
-              <a:rPr lang="en-US" dirty="0"/>
-              <a:t> </a:t>
-            </a:r>
-            <a:r>
-              <a:rPr lang="en-US" dirty="0" err="1"/>
+              <a:rPr lang="en-US" sz="1300" dirty="0"/>
+              <a:t> </a:t>
+            </a:r>
+            <a:r>
+              <a:rPr lang="en-US" sz="1300" dirty="0" err="1"/>
               <a:t>jalur</a:t>
             </a:r>
             <a:r>
-              <a:rPr lang="en-US" dirty="0"/>
-              <a:t> </a:t>
-            </a:r>
-            <a:r>
-              <a:rPr lang="en-US" dirty="0" err="1"/>
+              <a:rPr lang="en-US" sz="1300" dirty="0"/>
+              <a:t> </a:t>
+            </a:r>
+            <a:r>
+              <a:rPr lang="en-US" sz="1300" dirty="0" err="1"/>
               <a:t>rute</a:t>
             </a:r>
             <a:r>
-              <a:rPr lang="en-US" dirty="0"/>
+              <a:rPr lang="en-US" sz="1300" dirty="0"/>
               <a:t> pada </a:t>
             </a:r>
             <a:r>
-              <a:rPr lang="en-US" dirty="0" err="1"/>
+              <a:rPr lang="en-US" sz="1300" dirty="0" err="1"/>
               <a:t>webGIS</a:t>
             </a:r>
-            <a:endParaRPr lang="en-US" dirty="0"/>
-          </a:p>
-          <a:p>
-            <a:pPr marL="146050" indent="0">
-              <a:buNone/>
+            <a:endParaRPr lang="en-US" sz="1300" dirty="0"/>
+          </a:p>
+          <a:p>
+            <a:pPr marL="146050" indent="-228600" defTabSz="914400">
+              <a:lnSpc>
+                <a:spcPct val="110000"/>
+              </a:lnSpc>
+              <a:spcAft>
+                <a:spcPts val="600"/>
+              </a:spcAft>
+              <a:buSzPct val="100000"/>
+              <a:buFont typeface="Arial" panose="020B0604020202020204" pitchFamily="34" charset="0"/>
+              <a:buChar char="•"/>
             </a:pPr>
-            <a:endParaRPr lang="en-US" dirty="0"/>
-          </a:p>
-          <a:p>
-            <a:pPr marL="146050" indent="0">
-              <a:buNone/>
+            <a:endParaRPr lang="en-US" sz="1300" dirty="0"/>
+          </a:p>
+          <a:p>
+            <a:pPr marL="146050" indent="-228600" defTabSz="914400">
+              <a:lnSpc>
+                <a:spcPct val="110000"/>
+              </a:lnSpc>
+              <a:spcAft>
+                <a:spcPts val="600"/>
+              </a:spcAft>
+              <a:buSzPct val="100000"/>
+              <a:buFont typeface="Arial" panose="020B0604020202020204" pitchFamily="34" charset="0"/>
+              <a:buChar char="•"/>
             </a:pPr>
-            <a:endParaRPr lang="en-US" dirty="0"/>
+            <a:endParaRPr lang="en-US" sz="1300" dirty="0"/>
           </a:p>
         </p:txBody>
       </p:sp>

--- a/FP SIG.pptx
+++ b/FP SIG.pptx
@@ -8673,7 +8673,7 @@
       </p:grpSpPr>
       <p:sp>
         <p:nvSpPr>
-          <p:cNvPr id="152" name="Rectangle 90">
+          <p:cNvPr id="155" name="Rectangle 154">
             <a:extLst>
               <a:ext uri="{FF2B5EF4-FFF2-40B4-BE49-F238E27FC236}">
                 <a16:creationId xmlns:a16="http://schemas.microsoft.com/office/drawing/2014/main" id="{0CABCAE3-64FC-4149-819F-2C1812824154}"/>
@@ -8739,7 +8739,7 @@
       </p:sp>
       <p:pic>
         <p:nvPicPr>
-          <p:cNvPr id="153" name="Picture 92">
+          <p:cNvPr id="157" name="Picture 156">
             <a:extLst>
               <a:ext uri="{FF2B5EF4-FFF2-40B4-BE49-F238E27FC236}">
                 <a16:creationId xmlns:a16="http://schemas.microsoft.com/office/drawing/2014/main" id="{012FDCFE-9AD2-4D8A-8CBF-B3AA37EBF6DD}"/>
@@ -8783,7 +8783,7 @@
       </p:pic>
       <p:cxnSp>
         <p:nvCxnSpPr>
-          <p:cNvPr id="154" name="Straight Connector 94">
+          <p:cNvPr id="159" name="Straight Connector 158">
             <a:extLst>
               <a:ext uri="{FF2B5EF4-FFF2-40B4-BE49-F238E27FC236}">
                 <a16:creationId xmlns:a16="http://schemas.microsoft.com/office/drawing/2014/main" id="{FBD463FC-4CA8-4FF4-85A3-AF9F4B98D210}"/>
@@ -8837,7 +8837,7 @@
       </p:cxnSp>
       <p:cxnSp>
         <p:nvCxnSpPr>
-          <p:cNvPr id="155" name="Straight Connector 96">
+          <p:cNvPr id="161" name="Straight Connector 160">
             <a:extLst>
               <a:ext uri="{FF2B5EF4-FFF2-40B4-BE49-F238E27FC236}">
                 <a16:creationId xmlns:a16="http://schemas.microsoft.com/office/drawing/2014/main" id="{A56012FD-74A8-4C91-B318-435CF2B71927}"/>
@@ -8862,6 +8862,114 @@
           <a:xfrm>
             <a:off x="1090422" y="1385316"/>
             <a:ext cx="7205641" cy="0"/>
+          </a:xfrm>
+          <a:prstGeom prst="line">
+            <a:avLst/>
+          </a:prstGeom>
+          <a:ln w="31750"/>
+        </p:spPr>
+        <p:style>
+          <a:lnRef idx="3">
+            <a:schemeClr val="accent1"/>
+          </a:lnRef>
+          <a:fillRef idx="0">
+            <a:schemeClr val="accent1"/>
+          </a:fillRef>
+          <a:effectRef idx="2">
+            <a:schemeClr val="accent1"/>
+          </a:effectRef>
+          <a:fontRef idx="minor">
+            <a:schemeClr val="tx1"/>
+          </a:fontRef>
+        </p:style>
+      </p:cxnSp>
+      <p:sp useBgFill="1">
+        <p:nvSpPr>
+          <p:cNvPr id="163" name="Rectangle 162">
+            <a:extLst>
+              <a:ext uri="{FF2B5EF4-FFF2-40B4-BE49-F238E27FC236}">
+                <a16:creationId xmlns:a16="http://schemas.microsoft.com/office/drawing/2014/main" id="{35C3D674-3D59-4E93-80CA-0C0A9095E816}"/>
+              </a:ext>
+              <a:ext uri="{C183D7F6-B498-43B3-948B-1728B52AA6E4}">
+                <adec:decorative xmlns:adec="http://schemas.microsoft.com/office/drawing/2017/decorative" val="1"/>
+              </a:ext>
+            </a:extLst>
+          </p:cNvPr>
+          <p:cNvSpPr>
+            <a:spLocks noGrp="1" noRot="1" noChangeAspect="1" noMove="1" noResize="1" noEditPoints="1" noAdjustHandles="1" noChangeArrowheads="1" noChangeShapeType="1" noTextEdit="1"/>
+          </p:cNvSpPr>
+          <p:nvPr>
+            <p:extLst>
+              <p:ext uri="{386F3935-93C4-4BCD-93E2-E3B085C9AB24}">
+                <p16:designElem xmlns:p16="http://schemas.microsoft.com/office/powerpoint/2015/main" val="1"/>
+              </p:ext>
+            </p:extLst>
+          </p:nvPr>
+        </p:nvSpPr>
+        <p:spPr>
+          <a:xfrm>
+            <a:off x="1" y="0"/>
+            <a:ext cx="9143771" cy="5143500"/>
+          </a:xfrm>
+          <a:prstGeom prst="rect">
+            <a:avLst/>
+          </a:prstGeom>
+          <a:ln>
+            <a:noFill/>
+          </a:ln>
+        </p:spPr>
+        <p:style>
+          <a:lnRef idx="2">
+            <a:schemeClr val="accent1">
+              <a:shade val="50000"/>
+            </a:schemeClr>
+          </a:lnRef>
+          <a:fillRef idx="1">
+            <a:schemeClr val="accent1"/>
+          </a:fillRef>
+          <a:effectRef idx="0">
+            <a:schemeClr val="accent1"/>
+          </a:effectRef>
+          <a:fontRef idx="minor">
+            <a:schemeClr val="lt1"/>
+          </a:fontRef>
+        </p:style>
+        <p:txBody>
+          <a:bodyPr rtlCol="0" anchor="ctr"/>
+          <a:lstStyle/>
+          <a:p>
+            <a:pPr algn="ctr"/>
+            <a:endParaRPr lang="en-US"/>
+          </a:p>
+        </p:txBody>
+      </p:sp>
+      <p:cxnSp>
+        <p:nvCxnSpPr>
+          <p:cNvPr id="165" name="Straight Connector 164">
+            <a:extLst>
+              <a:ext uri="{FF2B5EF4-FFF2-40B4-BE49-F238E27FC236}">
+                <a16:creationId xmlns:a16="http://schemas.microsoft.com/office/drawing/2014/main" id="{C884B8F8-FDC9-498B-9960-5D7260AFCB03}"/>
+              </a:ext>
+              <a:ext uri="{C183D7F6-B498-43B3-948B-1728B52AA6E4}">
+                <adec:decorative xmlns:adec="http://schemas.microsoft.com/office/drawing/2017/decorative" val="1"/>
+              </a:ext>
+            </a:extLst>
+          </p:cNvPr>
+          <p:cNvCxnSpPr>
+            <a:cxnSpLocks noGrp="1" noRot="1" noChangeAspect="1" noMove="1" noResize="1" noEditPoints="1" noAdjustHandles="1" noChangeArrowheads="1" noChangeShapeType="1"/>
+          </p:cNvCxnSpPr>
+          <p:nvPr>
+            <p:extLst>
+              <p:ext uri="{386F3935-93C4-4BCD-93E2-E3B085C9AB24}">
+                <p16:designElem xmlns:p16="http://schemas.microsoft.com/office/powerpoint/2015/main" val="1"/>
+              </p:ext>
+            </p:extLst>
+          </p:nvPr>
+        </p:nvCxnSpPr>
+        <p:spPr>
+          <a:xfrm>
+            <a:off x="1090422" y="1385316"/>
+            <a:ext cx="3133029" cy="0"/>
           </a:xfrm>
           <a:prstGeom prst="line">
             <a:avLst/>
@@ -8895,8 +9003,8 @@
         </p:nvSpPr>
         <p:spPr>
           <a:xfrm>
-            <a:off x="1088684" y="603389"/>
-            <a:ext cx="7202456" cy="786926"/>
+            <a:off x="1088685" y="603390"/>
+            <a:ext cx="3132383" cy="786926"/>
           </a:xfrm>
           <a:prstGeom prst="rect">
             <a:avLst/>
@@ -8917,9 +9025,83 @@
               </a:spcAft>
             </a:pPr>
             <a:r>
-              <a:rPr lang="en-US" sz="3200"/>
+              <a:rPr lang="en-US" sz="2500"/>
               <a:t>Database Universitas</a:t>
             </a:r>
+          </a:p>
+        </p:txBody>
+      </p:sp>
+      <p:sp>
+        <p:nvSpPr>
+          <p:cNvPr id="167" name="Rectangle 166">
+            <a:extLst>
+              <a:ext uri="{FF2B5EF4-FFF2-40B4-BE49-F238E27FC236}">
+                <a16:creationId xmlns:a16="http://schemas.microsoft.com/office/drawing/2014/main" id="{EF2A81E1-BCBE-426B-8C09-33274E69409D}"/>
+              </a:ext>
+              <a:ext uri="{C183D7F6-B498-43B3-948B-1728B52AA6E4}">
+                <adec:decorative xmlns:adec="http://schemas.microsoft.com/office/drawing/2017/decorative" val="1"/>
+              </a:ext>
+            </a:extLst>
+          </p:cNvPr>
+          <p:cNvSpPr>
+            <a:spLocks noGrp="1" noRot="1" noChangeAspect="1" noMove="1" noResize="1" noEditPoints="1" noAdjustHandles="1" noChangeArrowheads="1" noChangeShapeType="1" noTextEdit="1"/>
+          </p:cNvSpPr>
+          <p:nvPr>
+            <p:extLst>
+              <p:ext uri="{386F3935-93C4-4BCD-93E2-E3B085C9AB24}">
+                <p16:designElem xmlns:p16="http://schemas.microsoft.com/office/powerpoint/2015/main" val="1"/>
+              </p:ext>
+            </p:extLst>
+          </p:nvPr>
+        </p:nvSpPr>
+        <p:spPr>
+          <a:xfrm>
+            <a:off x="0" y="1514607"/>
+            <a:ext cx="9144000" cy="3079455"/>
+          </a:xfrm>
+          <a:prstGeom prst="rect">
+            <a:avLst/>
+          </a:prstGeom>
+          <a:gradFill flip="none" rotWithShape="1">
+            <a:gsLst>
+              <a:gs pos="0">
+                <a:schemeClr val="bg2">
+                  <a:alpha val="0"/>
+                </a:schemeClr>
+              </a:gs>
+              <a:gs pos="100000">
+                <a:schemeClr val="bg2"/>
+              </a:gs>
+            </a:gsLst>
+            <a:lin ang="5400000" scaled="0"/>
+            <a:tileRect/>
+          </a:gradFill>
+          <a:ln>
+            <a:noFill/>
+          </a:ln>
+        </p:spPr>
+        <p:style>
+          <a:lnRef idx="2">
+            <a:schemeClr val="accent1">
+              <a:shade val="50000"/>
+            </a:schemeClr>
+          </a:lnRef>
+          <a:fillRef idx="1">
+            <a:schemeClr val="accent1"/>
+          </a:fillRef>
+          <a:effectRef idx="0">
+            <a:schemeClr val="accent1"/>
+          </a:effectRef>
+          <a:fontRef idx="minor">
+            <a:schemeClr val="lt1"/>
+          </a:fontRef>
+        </p:style>
+        <p:txBody>
+          <a:bodyPr rtlCol="0" anchor="ctr"/>
+          <a:lstStyle/>
+          <a:p>
+            <a:pPr lvl="0" algn="ctr"/>
+            <a:endParaRPr lang="en-US"/>
           </a:p>
         </p:txBody>
       </p:sp>
@@ -8935,8 +9117,8 @@
         </p:nvSpPr>
         <p:spPr>
           <a:xfrm>
-            <a:off x="1088684" y="1511800"/>
-            <a:ext cx="3121916" cy="2587960"/>
+            <a:off x="1088685" y="1511799"/>
+            <a:ext cx="3129159" cy="2587959"/>
           </a:xfrm>
           <a:prstGeom prst="rect">
             <a:avLst/>
@@ -9010,10 +9192,108 @@
       </p:sp>
       <p:pic>
         <p:nvPicPr>
-          <p:cNvPr id="3" name="Picture 2">
+          <p:cNvPr id="169" name="Picture 168">
             <a:extLst>
               <a:ext uri="{FF2B5EF4-FFF2-40B4-BE49-F238E27FC236}">
-                <a16:creationId xmlns:a16="http://schemas.microsoft.com/office/drawing/2014/main" id="{3342EC1B-78E2-4643-B814-E6BB540B2FE3}"/>
+                <a16:creationId xmlns:a16="http://schemas.microsoft.com/office/drawing/2014/main" id="{39D1DDD4-5BB3-45BA-B9B3-06B62299AD79}"/>
+              </a:ext>
+              <a:ext uri="{C183D7F6-B498-43B3-948B-1728B52AA6E4}">
+                <adec:decorative xmlns:adec="http://schemas.microsoft.com/office/drawing/2017/decorative" val="1"/>
+              </a:ext>
+            </a:extLst>
+          </p:cNvPr>
+          <p:cNvPicPr>
+            <a:picLocks noGrp="1" noRot="1" noChangeAspect="1" noMove="1" noResize="1" noEditPoints="1" noAdjustHandles="1" noChangeArrowheads="1" noChangeShapeType="1" noCrop="1"/>
+          </p:cNvPicPr>
+          <p:nvPr>
+            <p:extLst>
+              <p:ext uri="{386F3935-93C4-4BCD-93E2-E3B085C9AB24}">
+                <p16:designElem xmlns:p16="http://schemas.microsoft.com/office/powerpoint/2015/main" val="1"/>
+              </p:ext>
+            </p:extLst>
+          </p:nvPr>
+        </p:nvPicPr>
+        <p:blipFill rotWithShape="1">
+          <a:blip r:embed="rId3">
+            <a:extLst>
+              <a:ext uri="{28A0092B-C50C-407E-A947-70E740481C1C}">
+                <a14:useLocalDpi xmlns:a14="http://schemas.microsoft.com/office/drawing/2010/main" val="0"/>
+              </a:ext>
+            </a:extLst>
+          </a:blip>
+          <a:srcRect t="1538" b="-1538"/>
+          <a:stretch/>
+        </p:blipFill>
+        <p:spPr bwMode="black">
+          <a:xfrm>
+            <a:off x="0" y="4594860"/>
+            <a:ext cx="9144000" cy="557212"/>
+          </a:xfrm>
+          <a:prstGeom prst="rect">
+            <a:avLst/>
+          </a:prstGeom>
+        </p:spPr>
+      </p:pic>
+      <p:cxnSp>
+        <p:nvCxnSpPr>
+          <p:cNvPr id="171" name="Straight Connector 170">
+            <a:extLst>
+              <a:ext uri="{FF2B5EF4-FFF2-40B4-BE49-F238E27FC236}">
+                <a16:creationId xmlns:a16="http://schemas.microsoft.com/office/drawing/2014/main" id="{A24DAE64-2302-42EA-8239-F2F0775CA5AD}"/>
+              </a:ext>
+              <a:ext uri="{C183D7F6-B498-43B3-948B-1728B52AA6E4}">
+                <adec:decorative xmlns:adec="http://schemas.microsoft.com/office/drawing/2017/decorative" val="1"/>
+              </a:ext>
+            </a:extLst>
+          </p:cNvPr>
+          <p:cNvCxnSpPr>
+            <a:cxnSpLocks noGrp="1" noRot="1" noChangeAspect="1" noMove="1" noResize="1" noEditPoints="1" noAdjustHandles="1" noChangeArrowheads="1" noChangeShapeType="1"/>
+          </p:cNvCxnSpPr>
+          <p:nvPr>
+            <p:extLst>
+              <p:ext uri="{386F3935-93C4-4BCD-93E2-E3B085C9AB24}">
+                <p16:designElem xmlns:p16="http://schemas.microsoft.com/office/powerpoint/2015/main" val="1"/>
+              </p:ext>
+            </p:extLst>
+          </p:nvPr>
+        </p:nvCxnSpPr>
+        <p:spPr>
+          <a:xfrm>
+            <a:off x="0" y="4596309"/>
+            <a:ext cx="9144000" cy="0"/>
+          </a:xfrm>
+          <a:prstGeom prst="line">
+            <a:avLst/>
+          </a:prstGeom>
+          <a:ln w="12700">
+            <a:solidFill>
+              <a:srgbClr val="000001">
+                <a:alpha val="20000"/>
+              </a:srgbClr>
+            </a:solidFill>
+          </a:ln>
+        </p:spPr>
+        <p:style>
+          <a:lnRef idx="1">
+            <a:schemeClr val="accent1"/>
+          </a:lnRef>
+          <a:fillRef idx="0">
+            <a:schemeClr val="accent1"/>
+          </a:fillRef>
+          <a:effectRef idx="0">
+            <a:schemeClr val="accent1"/>
+          </a:effectRef>
+          <a:fontRef idx="minor">
+            <a:schemeClr val="tx1"/>
+          </a:fontRef>
+        </p:style>
+      </p:cxnSp>
+      <p:pic>
+        <p:nvPicPr>
+          <p:cNvPr id="5" name="Picture 4">
+            <a:extLst>
+              <a:ext uri="{FF2B5EF4-FFF2-40B4-BE49-F238E27FC236}">
+                <a16:creationId xmlns:a16="http://schemas.microsoft.com/office/drawing/2014/main" id="{30B30F45-B3DA-4714-8AFC-C366627DF701}"/>
               </a:ext>
             </a:extLst>
           </p:cNvPr>
@@ -9030,8 +9310,8 @@
         </p:blipFill>
         <p:spPr>
           <a:xfrm>
-            <a:off x="4919107" y="1511800"/>
-            <a:ext cx="3023733" cy="2587960"/>
+            <a:off x="4318612" y="1471352"/>
+            <a:ext cx="4726236" cy="3114936"/>
           </a:xfrm>
           <a:prstGeom prst="rect">
             <a:avLst/>
